--- a/ANN_DJ_0628.pptx
+++ b/ANN_DJ_0628.pptx
@@ -17950,8 +17950,8 @@
         </p:blipFill>
         <p:spPr>
           <a:xfrm>
-            <a:off x="391028" y="1141798"/>
-            <a:ext cx="4515509" cy="5047129"/>
+            <a:off x="1074608" y="1983903"/>
+            <a:ext cx="3291287" cy="3678777"/>
           </a:xfrm>
           <a:prstGeom prst="rect">
             <a:avLst/>
